--- a/meterials/slides/ch10-js-sdk.pptx
+++ b/meterials/slides/ch10-js-sdk.pptx
@@ -276,7 +276,7 @@
           <a:p>
             <a:fld id="{2B71C804-97F5-4B36-A7AC-EEEC7F44F6C2}" type="datetimeFigureOut">
               <a:rPr lang="zh-CN" altLang="en-US" smtClean="0"/>
-              <a:t>2017/9/4</a:t>
+              <a:t>2017/9/7</a:t>
             </a:fld>
             <a:endParaRPr lang="zh-CN" altLang="en-US"/>
           </a:p>
@@ -442,7 +442,7 @@
           <a:p>
             <a:fld id="{0568D9C6-D8DC-4CC3-8480-E0C4DBA1CC07}" type="datetimeFigureOut">
               <a:rPr lang="zh-CN" altLang="en-US" smtClean="0"/>
-              <a:t>2017/9/4</a:t>
+              <a:t>2017/9/6</a:t>
             </a:fld>
             <a:endParaRPr lang="zh-CN" altLang="en-US"/>
           </a:p>
@@ -1055,7 +1055,7 @@
           <a:p>
             <a:fld id="{DB9D664F-4C68-42D2-B189-678958EFAFDA}" type="datetime1">
               <a:rPr lang="zh-CN" altLang="en-US" smtClean="0"/>
-              <a:t>2017/9/4</a:t>
+              <a:t>2017/9/6</a:t>
             </a:fld>
             <a:endParaRPr lang="zh-CN" altLang="en-US"/>
           </a:p>
@@ -2037,7 +2037,7 @@
           <a:p>
             <a:fld id="{ED5513C8-E3A4-4D78-B249-887659A958FF}" type="datetime1">
               <a:rPr lang="en-US" altLang="zh-CN" smtClean="0"/>
-              <a:t>9/4/2017</a:t>
+              <a:t>9/6/2017</a:t>
             </a:fld>
             <a:endParaRPr lang="en-US"/>
           </a:p>
@@ -2215,7 +2215,7 @@
           <a:p>
             <a:fld id="{EBEDA52C-3EEE-4289-818C-901C0A7814FE}" type="datetime1">
               <a:rPr lang="en-US" altLang="zh-CN" smtClean="0"/>
-              <a:t>9/4/2017</a:t>
+              <a:t>9/6/2017</a:t>
             </a:fld>
             <a:endParaRPr lang="en-US"/>
           </a:p>
@@ -2469,7 +2469,7 @@
           <a:p>
             <a:fld id="{09EF5D7F-EA15-485C-85DD-8FDC010A62D4}" type="datetime1">
               <a:rPr lang="en-US" altLang="zh-CN" smtClean="0"/>
-              <a:t>9/4/2017</a:t>
+              <a:t>9/6/2017</a:t>
             </a:fld>
             <a:endParaRPr lang="en-US"/>
           </a:p>
@@ -2709,7 +2709,7 @@
           <a:p>
             <a:fld id="{9541C2B2-0BAB-4CD4-83EE-25F1A7138896}" type="datetime1">
               <a:rPr lang="en-US" altLang="zh-CN" smtClean="0"/>
-              <a:t>9/4/2017</a:t>
+              <a:t>9/6/2017</a:t>
             </a:fld>
             <a:endParaRPr lang="en-US"/>
           </a:p>
@@ -3084,7 +3084,7 @@
           <a:p>
             <a:fld id="{7DEA23E7-D0FC-41DC-8745-BE6FC447B182}" type="datetime1">
               <a:rPr lang="en-US" altLang="zh-CN" smtClean="0"/>
-              <a:t>9/4/2017</a:t>
+              <a:t>9/6/2017</a:t>
             </a:fld>
             <a:endParaRPr lang="en-US"/>
           </a:p>
@@ -3869,7 +3869,7 @@
           <a:p>
             <a:fld id="{5DEA8378-5F33-490B-8120-8DE6B7EE2781}" type="datetime1">
               <a:rPr lang="en-US" altLang="zh-CN" smtClean="0"/>
-              <a:t>9/4/2017</a:t>
+              <a:t>9/6/2017</a:t>
             </a:fld>
             <a:endParaRPr lang="en-US"/>
           </a:p>
@@ -4123,7 +4123,7 @@
           <a:p>
             <a:fld id="{38DD30CF-78A7-4C73-91B4-38D3E3317745}" type="datetime1">
               <a:rPr lang="en-US" altLang="zh-CN" smtClean="0"/>
-              <a:t>9/4/2017</a:t>
+              <a:t>9/6/2017</a:t>
             </a:fld>
             <a:endParaRPr lang="en-US"/>
           </a:p>
@@ -4226,7 +4226,7 @@
           <a:p>
             <a:fld id="{A1BE0A72-8501-4974-A7B7-5BD248ABBAFC}" type="datetime1">
               <a:rPr lang="zh-CN" altLang="en-US" smtClean="0"/>
-              <a:t>2017/9/4</a:t>
+              <a:t>2017/9/6</a:t>
             </a:fld>
             <a:endParaRPr lang="zh-CN" altLang="en-US"/>
           </a:p>
@@ -4487,7 +4487,7 @@
           <a:p>
             <a:fld id="{0B7E01DD-16D0-4DBA-9C1A-51468BA0B73A}" type="datetime1">
               <a:rPr lang="en-US" altLang="zh-CN" smtClean="0"/>
-              <a:t>9/4/2017</a:t>
+              <a:t>9/6/2017</a:t>
             </a:fld>
             <a:endParaRPr lang="en-US"/>
           </a:p>
@@ -4665,7 +4665,7 @@
           <a:p>
             <a:fld id="{B587E63F-0E62-4A50-901F-E071D77F7634}" type="datetime1">
               <a:rPr lang="en-US" altLang="zh-CN" smtClean="0"/>
-              <a:t>9/4/2017</a:t>
+              <a:t>9/6/2017</a:t>
             </a:fld>
             <a:endParaRPr lang="en-US"/>
           </a:p>
@@ -4853,7 +4853,7 @@
           <a:p>
             <a:fld id="{BD8521E8-9297-400B-AD8C-0A4D05699D33}" type="datetime1">
               <a:rPr lang="en-US" altLang="zh-CN" smtClean="0"/>
-              <a:t>9/4/2017</a:t>
+              <a:t>9/6/2017</a:t>
             </a:fld>
             <a:endParaRPr lang="en-US"/>
           </a:p>
@@ -5084,7 +5084,7 @@
           <a:p>
             <a:fld id="{ED5513C8-E3A4-4D78-B249-887659A958FF}" type="datetime1">
               <a:rPr lang="en-US" altLang="zh-CN" smtClean="0"/>
-              <a:t>9/4/2017</a:t>
+              <a:t>9/6/2017</a:t>
             </a:fld>
             <a:endParaRPr lang="en-US"/>
           </a:p>
@@ -5262,7 +5262,7 @@
           <a:p>
             <a:fld id="{EBEDA52C-3EEE-4289-818C-901C0A7814FE}" type="datetime1">
               <a:rPr lang="en-US" altLang="zh-CN" smtClean="0"/>
-              <a:t>9/4/2017</a:t>
+              <a:t>9/6/2017</a:t>
             </a:fld>
             <a:endParaRPr lang="en-US"/>
           </a:p>
@@ -5516,7 +5516,7 @@
           <a:p>
             <a:fld id="{09EF5D7F-EA15-485C-85DD-8FDC010A62D4}" type="datetime1">
               <a:rPr lang="en-US" altLang="zh-CN" smtClean="0"/>
-              <a:t>9/4/2017</a:t>
+              <a:t>9/6/2017</a:t>
             </a:fld>
             <a:endParaRPr lang="en-US"/>
           </a:p>
@@ -5756,7 +5756,7 @@
           <a:p>
             <a:fld id="{9541C2B2-0BAB-4CD4-83EE-25F1A7138896}" type="datetime1">
               <a:rPr lang="en-US" altLang="zh-CN" smtClean="0"/>
-              <a:t>9/4/2017</a:t>
+              <a:t>9/6/2017</a:t>
             </a:fld>
             <a:endParaRPr lang="en-US"/>
           </a:p>
@@ -6131,7 +6131,7 @@
           <a:p>
             <a:fld id="{7DEA23E7-D0FC-41DC-8745-BE6FC447B182}" type="datetime1">
               <a:rPr lang="en-US" altLang="zh-CN" smtClean="0"/>
-              <a:t>9/4/2017</a:t>
+              <a:t>9/6/2017</a:t>
             </a:fld>
             <a:endParaRPr lang="en-US"/>
           </a:p>
@@ -6916,7 +6916,7 @@
           <a:p>
             <a:fld id="{A1BE0A72-8501-4974-A7B7-5BD248ABBAFC}" type="datetime1">
               <a:rPr lang="zh-CN" altLang="en-US" smtClean="0"/>
-              <a:t>2017/9/4</a:t>
+              <a:t>2017/9/6</a:t>
             </a:fld>
             <a:endParaRPr lang="zh-CN" altLang="en-US"/>
           </a:p>
@@ -6969,7 +6969,7 @@
           <a:p>
             <a:fld id="{5DEA8378-5F33-490B-8120-8DE6B7EE2781}" type="datetime1">
               <a:rPr lang="en-US" altLang="zh-CN" smtClean="0"/>
-              <a:t>9/4/2017</a:t>
+              <a:t>9/6/2017</a:t>
             </a:fld>
             <a:endParaRPr lang="en-US"/>
           </a:p>
@@ -7223,7 +7223,7 @@
           <a:p>
             <a:fld id="{38DD30CF-78A7-4C73-91B4-38D3E3317745}" type="datetime1">
               <a:rPr lang="en-US" altLang="zh-CN" smtClean="0"/>
-              <a:t>9/4/2017</a:t>
+              <a:t>9/6/2017</a:t>
             </a:fld>
             <a:endParaRPr lang="en-US"/>
           </a:p>
@@ -7488,7 +7488,7 @@
           <a:p>
             <a:fld id="{0B7E01DD-16D0-4DBA-9C1A-51468BA0B73A}" type="datetime1">
               <a:rPr lang="en-US" altLang="zh-CN" smtClean="0"/>
-              <a:t>9/4/2017</a:t>
+              <a:t>9/6/2017</a:t>
             </a:fld>
             <a:endParaRPr lang="en-US"/>
           </a:p>
@@ -7666,7 +7666,7 @@
           <a:p>
             <a:fld id="{B587E63F-0E62-4A50-901F-E071D77F7634}" type="datetime1">
               <a:rPr lang="en-US" altLang="zh-CN" smtClean="0"/>
-              <a:t>9/4/2017</a:t>
+              <a:t>9/6/2017</a:t>
             </a:fld>
             <a:endParaRPr lang="en-US"/>
           </a:p>
@@ -7854,7 +7854,7 @@
           <a:p>
             <a:fld id="{BD8521E8-9297-400B-AD8C-0A4D05699D33}" type="datetime1">
               <a:rPr lang="en-US" altLang="zh-CN" smtClean="0"/>
-              <a:t>9/4/2017</a:t>
+              <a:t>9/6/2017</a:t>
             </a:fld>
             <a:endParaRPr lang="en-US"/>
           </a:p>
@@ -7957,7 +7957,7 @@
           <a:p>
             <a:fld id="{EF452D9C-F9EB-4417-9C3A-C876C2AF9415}" type="datetime1">
               <a:rPr lang="zh-CN" altLang="en-US" smtClean="0"/>
-              <a:t>2017/9/4</a:t>
+              <a:t>2017/9/6</a:t>
             </a:fld>
             <a:endParaRPr lang="zh-CN" altLang="en-US"/>
           </a:p>
@@ -8143,7 +8143,7 @@
           <a:p>
             <a:fld id="{2F2E9289-9B4C-49AE-BDDA-70D6EDC89D17}" type="datetime1">
               <a:rPr lang="zh-CN" altLang="en-US" smtClean="0"/>
-              <a:t>2017/9/4</a:t>
+              <a:t>2017/9/6</a:t>
             </a:fld>
             <a:endParaRPr lang="zh-CN" altLang="en-US"/>
           </a:p>
@@ -8313,7 +8313,7 @@
           <a:p>
             <a:fld id="{2F2E9289-9B4C-49AE-BDDA-70D6EDC89D17}" type="datetime1">
               <a:rPr lang="zh-CN" altLang="en-US" smtClean="0"/>
-              <a:t>2017/9/4</a:t>
+              <a:t>2017/9/6</a:t>
             </a:fld>
             <a:endParaRPr lang="zh-CN" altLang="en-US"/>
           </a:p>
@@ -8549,7 +8549,7 @@
           <a:p>
             <a:fld id="{8C5BA751-A251-47D6-8494-C134D9EBED5F}" type="datetime1">
               <a:rPr lang="zh-CN" altLang="en-US" smtClean="0"/>
-              <a:t>2017/9/4</a:t>
+              <a:t>2017/9/6</a:t>
             </a:fld>
             <a:endParaRPr lang="zh-CN" altLang="en-US"/>
           </a:p>
@@ -8905,7 +8905,7 @@
           <a:p>
             <a:fld id="{C46E2078-F302-4651-A2A2-2FC6C4E1A3F1}" type="datetime1">
               <a:rPr lang="zh-CN" altLang="en-US" smtClean="0"/>
-              <a:t>2017/9/4</a:t>
+              <a:t>2017/9/6</a:t>
             </a:fld>
             <a:endParaRPr lang="zh-CN" altLang="en-US"/>
           </a:p>
@@ -9027,7 +9027,7 @@
               <a:pPr>
                 <a:defRPr/>
               </a:pPr>
-              <a:t>2017/9/4</a:t>
+              <a:t>2017/9/6</a:t>
             </a:fld>
             <a:endParaRPr lang="zh-CN" altLang="en-US"/>
           </a:p>
@@ -9175,7 +9175,7 @@
           <a:p>
             <a:fld id="{A1BE0A72-8501-4974-A7B7-5BD248ABBAFC}" type="datetime1">
               <a:rPr lang="zh-CN" altLang="en-US" smtClean="0"/>
-              <a:t>2017/9/4</a:t>
+              <a:t>2017/9/6</a:t>
             </a:fld>
             <a:endParaRPr lang="zh-CN" altLang="en-US"/>
           </a:p>
@@ -9689,7 +9689,7 @@
           <a:p>
             <a:fld id="{A1BE0A72-8501-4974-A7B7-5BD248ABBAFC}" type="datetime1">
               <a:rPr lang="zh-CN" altLang="en-US" smtClean="0"/>
-              <a:t>2017/9/4</a:t>
+              <a:t>2017/9/6</a:t>
             </a:fld>
             <a:endParaRPr lang="zh-CN" altLang="en-US"/>
           </a:p>
@@ -10295,7 +10295,7 @@
           <a:p>
             <a:fld id="{7A78726F-0AD2-4A20-BC72-263D2D3F3A2F}" type="datetime1">
               <a:rPr lang="en-US" altLang="zh-CN" smtClean="0"/>
-              <a:t>9/4/2017</a:t>
+              <a:t>9/6/2017</a:t>
             </a:fld>
             <a:endParaRPr lang="en-US"/>
           </a:p>
@@ -11276,7 +11276,7 @@
           <a:p>
             <a:fld id="{A1BE0A72-8501-4974-A7B7-5BD248ABBAFC}" type="datetime1">
               <a:rPr lang="zh-CN" altLang="en-US" smtClean="0"/>
-              <a:t>2017/9/4</a:t>
+              <a:t>2017/9/6</a:t>
             </a:fld>
             <a:endParaRPr lang="zh-CN" altLang="en-US"/>
           </a:p>
@@ -11882,7 +11882,7 @@
           <a:p>
             <a:fld id="{7A78726F-0AD2-4A20-BC72-263D2D3F3A2F}" type="datetime1">
               <a:rPr lang="en-US" altLang="zh-CN" smtClean="0"/>
-              <a:t>9/4/2017</a:t>
+              <a:t>9/6/2017</a:t>
             </a:fld>
             <a:endParaRPr lang="en-US"/>
           </a:p>
@@ -17944,6 +17944,85 @@
             <a:r>
               <a:rPr lang="zh-CN" altLang="en-US" b="0" dirty="0"/>
               <a:t>课程概要</a:t>
+            </a:r>
+          </a:p>
+        </p:txBody>
+      </p:sp>
+      <p:sp>
+        <p:nvSpPr>
+          <p:cNvPr id="3" name="文本框 2">
+            <a:extLst>
+              <a:ext uri="{FF2B5EF4-FFF2-40B4-BE49-F238E27FC236}">
+                <a16:creationId xmlns:a16="http://schemas.microsoft.com/office/drawing/2014/main" id="{5401B60C-A2A9-4384-8029-03309B3FE65B}"/>
+              </a:ext>
+            </a:extLst>
+          </p:cNvPr>
+          <p:cNvSpPr txBox="1"/>
+          <p:nvPr/>
+        </p:nvSpPr>
+        <p:spPr>
+          <a:xfrm>
+            <a:off x="1229032" y="1799303"/>
+            <a:ext cx="9527458" cy="874407"/>
+          </a:xfrm>
+          <a:prstGeom prst="rect">
+            <a:avLst/>
+          </a:prstGeom>
+          <a:noFill/>
+        </p:spPr>
+        <p:txBody>
+          <a:bodyPr wrap="square" rtlCol="0">
+            <a:spAutoFit/>
+          </a:bodyPr>
+          <a:lstStyle/>
+          <a:p>
+            <a:pPr marL="285750" indent="-285750">
+              <a:lnSpc>
+                <a:spcPct val="150000"/>
+              </a:lnSpc>
+              <a:buFont typeface="Arial" panose="020B0604020202020204" pitchFamily="34" charset="0"/>
+              <a:buChar char="•"/>
+            </a:pPr>
+            <a:r>
+              <a:rPr lang="en-US" altLang="zh-CN" dirty="0">
+                <a:latin typeface="微软雅黑" panose="020B0503020204020204" pitchFamily="34" charset="-122"/>
+                <a:ea typeface="微软雅黑" panose="020B0503020204020204" pitchFamily="34" charset="-122"/>
+              </a:rPr>
+              <a:t>JS-SDK</a:t>
+            </a:r>
+            <a:r>
+              <a:rPr lang="zh-CN" altLang="en-US" dirty="0">
+                <a:latin typeface="微软雅黑" panose="020B0503020204020204" pitchFamily="34" charset="-122"/>
+                <a:ea typeface="微软雅黑" panose="020B0503020204020204" pitchFamily="34" charset="-122"/>
+              </a:rPr>
+              <a:t>的配置与签名验证。</a:t>
+            </a:r>
+            <a:endParaRPr lang="en-US" altLang="zh-CN" dirty="0">
+              <a:latin typeface="微软雅黑" panose="020B0503020204020204" pitchFamily="34" charset="-122"/>
+              <a:ea typeface="微软雅黑" panose="020B0503020204020204" pitchFamily="34" charset="-122"/>
+            </a:endParaRPr>
+          </a:p>
+          <a:p>
+            <a:pPr marL="285750" indent="-285750">
+              <a:lnSpc>
+                <a:spcPct val="150000"/>
+              </a:lnSpc>
+              <a:buFont typeface="Arial" panose="020B0604020202020204" pitchFamily="34" charset="0"/>
+              <a:buChar char="•"/>
+            </a:pPr>
+            <a:r>
+              <a:rPr lang="en-US" altLang="zh-CN" dirty="0">
+                <a:latin typeface="微软雅黑" panose="020B0503020204020204" pitchFamily="34" charset="-122"/>
+                <a:ea typeface="微软雅黑" panose="020B0503020204020204" pitchFamily="34" charset="-122"/>
+              </a:rPr>
+              <a:t>JS-SDK</a:t>
+            </a:r>
+            <a:r>
+              <a:rPr lang="zh-CN" altLang="en-US" dirty="0">
+                <a:latin typeface="微软雅黑" panose="020B0503020204020204" pitchFamily="34" charset="-122"/>
+                <a:ea typeface="微软雅黑" panose="020B0503020204020204" pitchFamily="34" charset="-122"/>
+              </a:rPr>
+              <a:t>的接口开发。</a:t>
             </a:r>
           </a:p>
         </p:txBody>

--- a/meterials/slides/ch10-js-sdk.pptx
+++ b/meterials/slides/ch10-js-sdk.pptx
@@ -276,7 +276,7 @@
           <a:p>
             <a:fld id="{2B71C804-97F5-4B36-A7AC-EEEC7F44F6C2}" type="datetimeFigureOut">
               <a:rPr lang="zh-CN" altLang="en-US" smtClean="0"/>
-              <a:t>2017/9/7</a:t>
+              <a:t>2017/11/1</a:t>
             </a:fld>
             <a:endParaRPr lang="zh-CN" altLang="en-US"/>
           </a:p>
@@ -442,7 +442,7 @@
           <a:p>
             <a:fld id="{0568D9C6-D8DC-4CC3-8480-E0C4DBA1CC07}" type="datetimeFigureOut">
               <a:rPr lang="zh-CN" altLang="en-US" smtClean="0"/>
-              <a:t>2017/9/6</a:t>
+              <a:t>2017/11/1</a:t>
             </a:fld>
             <a:endParaRPr lang="zh-CN" altLang="en-US"/>
           </a:p>
@@ -1055,7 +1055,7 @@
           <a:p>
             <a:fld id="{DB9D664F-4C68-42D2-B189-678958EFAFDA}" type="datetime1">
               <a:rPr lang="zh-CN" altLang="en-US" smtClean="0"/>
-              <a:t>2017/9/6</a:t>
+              <a:t>2017/11/1</a:t>
             </a:fld>
             <a:endParaRPr lang="zh-CN" altLang="en-US"/>
           </a:p>
@@ -2037,7 +2037,7 @@
           <a:p>
             <a:fld id="{ED5513C8-E3A4-4D78-B249-887659A958FF}" type="datetime1">
               <a:rPr lang="en-US" altLang="zh-CN" smtClean="0"/>
-              <a:t>9/6/2017</a:t>
+              <a:t>11/1/2017</a:t>
             </a:fld>
             <a:endParaRPr lang="en-US"/>
           </a:p>
@@ -2215,7 +2215,7 @@
           <a:p>
             <a:fld id="{EBEDA52C-3EEE-4289-818C-901C0A7814FE}" type="datetime1">
               <a:rPr lang="en-US" altLang="zh-CN" smtClean="0"/>
-              <a:t>9/6/2017</a:t>
+              <a:t>11/1/2017</a:t>
             </a:fld>
             <a:endParaRPr lang="en-US"/>
           </a:p>
@@ -2469,7 +2469,7 @@
           <a:p>
             <a:fld id="{09EF5D7F-EA15-485C-85DD-8FDC010A62D4}" type="datetime1">
               <a:rPr lang="en-US" altLang="zh-CN" smtClean="0"/>
-              <a:t>9/6/2017</a:t>
+              <a:t>11/1/2017</a:t>
             </a:fld>
             <a:endParaRPr lang="en-US"/>
           </a:p>
@@ -2709,7 +2709,7 @@
           <a:p>
             <a:fld id="{9541C2B2-0BAB-4CD4-83EE-25F1A7138896}" type="datetime1">
               <a:rPr lang="en-US" altLang="zh-CN" smtClean="0"/>
-              <a:t>9/6/2017</a:t>
+              <a:t>11/1/2017</a:t>
             </a:fld>
             <a:endParaRPr lang="en-US"/>
           </a:p>
@@ -3084,7 +3084,7 @@
           <a:p>
             <a:fld id="{7DEA23E7-D0FC-41DC-8745-BE6FC447B182}" type="datetime1">
               <a:rPr lang="en-US" altLang="zh-CN" smtClean="0"/>
-              <a:t>9/6/2017</a:t>
+              <a:t>11/1/2017</a:t>
             </a:fld>
             <a:endParaRPr lang="en-US"/>
           </a:p>
@@ -3869,7 +3869,7 @@
           <a:p>
             <a:fld id="{5DEA8378-5F33-490B-8120-8DE6B7EE2781}" type="datetime1">
               <a:rPr lang="en-US" altLang="zh-CN" smtClean="0"/>
-              <a:t>9/6/2017</a:t>
+              <a:t>11/1/2017</a:t>
             </a:fld>
             <a:endParaRPr lang="en-US"/>
           </a:p>
@@ -4123,7 +4123,7 @@
           <a:p>
             <a:fld id="{38DD30CF-78A7-4C73-91B4-38D3E3317745}" type="datetime1">
               <a:rPr lang="en-US" altLang="zh-CN" smtClean="0"/>
-              <a:t>9/6/2017</a:t>
+              <a:t>11/1/2017</a:t>
             </a:fld>
             <a:endParaRPr lang="en-US"/>
           </a:p>
@@ -4226,7 +4226,7 @@
           <a:p>
             <a:fld id="{A1BE0A72-8501-4974-A7B7-5BD248ABBAFC}" type="datetime1">
               <a:rPr lang="zh-CN" altLang="en-US" smtClean="0"/>
-              <a:t>2017/9/6</a:t>
+              <a:t>2017/11/1</a:t>
             </a:fld>
             <a:endParaRPr lang="zh-CN" altLang="en-US"/>
           </a:p>
@@ -4487,7 +4487,7 @@
           <a:p>
             <a:fld id="{0B7E01DD-16D0-4DBA-9C1A-51468BA0B73A}" type="datetime1">
               <a:rPr lang="en-US" altLang="zh-CN" smtClean="0"/>
-              <a:t>9/6/2017</a:t>
+              <a:t>11/1/2017</a:t>
             </a:fld>
             <a:endParaRPr lang="en-US"/>
           </a:p>
@@ -4665,7 +4665,7 @@
           <a:p>
             <a:fld id="{B587E63F-0E62-4A50-901F-E071D77F7634}" type="datetime1">
               <a:rPr lang="en-US" altLang="zh-CN" smtClean="0"/>
-              <a:t>9/6/2017</a:t>
+              <a:t>11/1/2017</a:t>
             </a:fld>
             <a:endParaRPr lang="en-US"/>
           </a:p>
@@ -4853,7 +4853,7 @@
           <a:p>
             <a:fld id="{BD8521E8-9297-400B-AD8C-0A4D05699D33}" type="datetime1">
               <a:rPr lang="en-US" altLang="zh-CN" smtClean="0"/>
-              <a:t>9/6/2017</a:t>
+              <a:t>11/1/2017</a:t>
             </a:fld>
             <a:endParaRPr lang="en-US"/>
           </a:p>
@@ -5084,7 +5084,7 @@
           <a:p>
             <a:fld id="{ED5513C8-E3A4-4D78-B249-887659A958FF}" type="datetime1">
               <a:rPr lang="en-US" altLang="zh-CN" smtClean="0"/>
-              <a:t>9/6/2017</a:t>
+              <a:t>11/1/2017</a:t>
             </a:fld>
             <a:endParaRPr lang="en-US"/>
           </a:p>
@@ -5262,7 +5262,7 @@
           <a:p>
             <a:fld id="{EBEDA52C-3EEE-4289-818C-901C0A7814FE}" type="datetime1">
               <a:rPr lang="en-US" altLang="zh-CN" smtClean="0"/>
-              <a:t>9/6/2017</a:t>
+              <a:t>11/1/2017</a:t>
             </a:fld>
             <a:endParaRPr lang="en-US"/>
           </a:p>
@@ -5516,7 +5516,7 @@
           <a:p>
             <a:fld id="{09EF5D7F-EA15-485C-85DD-8FDC010A62D4}" type="datetime1">
               <a:rPr lang="en-US" altLang="zh-CN" smtClean="0"/>
-              <a:t>9/6/2017</a:t>
+              <a:t>11/1/2017</a:t>
             </a:fld>
             <a:endParaRPr lang="en-US"/>
           </a:p>
@@ -5756,7 +5756,7 @@
           <a:p>
             <a:fld id="{9541C2B2-0BAB-4CD4-83EE-25F1A7138896}" type="datetime1">
               <a:rPr lang="en-US" altLang="zh-CN" smtClean="0"/>
-              <a:t>9/6/2017</a:t>
+              <a:t>11/1/2017</a:t>
             </a:fld>
             <a:endParaRPr lang="en-US"/>
           </a:p>
@@ -6131,7 +6131,7 @@
           <a:p>
             <a:fld id="{7DEA23E7-D0FC-41DC-8745-BE6FC447B182}" type="datetime1">
               <a:rPr lang="en-US" altLang="zh-CN" smtClean="0"/>
-              <a:t>9/6/2017</a:t>
+              <a:t>11/1/2017</a:t>
             </a:fld>
             <a:endParaRPr lang="en-US"/>
           </a:p>
@@ -6916,7 +6916,7 @@
           <a:p>
             <a:fld id="{A1BE0A72-8501-4974-A7B7-5BD248ABBAFC}" type="datetime1">
               <a:rPr lang="zh-CN" altLang="en-US" smtClean="0"/>
-              <a:t>2017/9/6</a:t>
+              <a:t>2017/11/1</a:t>
             </a:fld>
             <a:endParaRPr lang="zh-CN" altLang="en-US"/>
           </a:p>
@@ -6969,7 +6969,7 @@
           <a:p>
             <a:fld id="{5DEA8378-5F33-490B-8120-8DE6B7EE2781}" type="datetime1">
               <a:rPr lang="en-US" altLang="zh-CN" smtClean="0"/>
-              <a:t>9/6/2017</a:t>
+              <a:t>11/1/2017</a:t>
             </a:fld>
             <a:endParaRPr lang="en-US"/>
           </a:p>
@@ -7223,7 +7223,7 @@
           <a:p>
             <a:fld id="{38DD30CF-78A7-4C73-91B4-38D3E3317745}" type="datetime1">
               <a:rPr lang="en-US" altLang="zh-CN" smtClean="0"/>
-              <a:t>9/6/2017</a:t>
+              <a:t>11/1/2017</a:t>
             </a:fld>
             <a:endParaRPr lang="en-US"/>
           </a:p>
@@ -7488,7 +7488,7 @@
           <a:p>
             <a:fld id="{0B7E01DD-16D0-4DBA-9C1A-51468BA0B73A}" type="datetime1">
               <a:rPr lang="en-US" altLang="zh-CN" smtClean="0"/>
-              <a:t>9/6/2017</a:t>
+              <a:t>11/1/2017</a:t>
             </a:fld>
             <a:endParaRPr lang="en-US"/>
           </a:p>
@@ -7666,7 +7666,7 @@
           <a:p>
             <a:fld id="{B587E63F-0E62-4A50-901F-E071D77F7634}" type="datetime1">
               <a:rPr lang="en-US" altLang="zh-CN" smtClean="0"/>
-              <a:t>9/6/2017</a:t>
+              <a:t>11/1/2017</a:t>
             </a:fld>
             <a:endParaRPr lang="en-US"/>
           </a:p>
@@ -7854,7 +7854,7 @@
           <a:p>
             <a:fld id="{BD8521E8-9297-400B-AD8C-0A4D05699D33}" type="datetime1">
               <a:rPr lang="en-US" altLang="zh-CN" smtClean="0"/>
-              <a:t>9/6/2017</a:t>
+              <a:t>11/1/2017</a:t>
             </a:fld>
             <a:endParaRPr lang="en-US"/>
           </a:p>
@@ -7957,7 +7957,7 @@
           <a:p>
             <a:fld id="{EF452D9C-F9EB-4417-9C3A-C876C2AF9415}" type="datetime1">
               <a:rPr lang="zh-CN" altLang="en-US" smtClean="0"/>
-              <a:t>2017/9/6</a:t>
+              <a:t>2017/11/1</a:t>
             </a:fld>
             <a:endParaRPr lang="zh-CN" altLang="en-US"/>
           </a:p>
@@ -8143,7 +8143,7 @@
           <a:p>
             <a:fld id="{2F2E9289-9B4C-49AE-BDDA-70D6EDC89D17}" type="datetime1">
               <a:rPr lang="zh-CN" altLang="en-US" smtClean="0"/>
-              <a:t>2017/9/6</a:t>
+              <a:t>2017/11/1</a:t>
             </a:fld>
             <a:endParaRPr lang="zh-CN" altLang="en-US"/>
           </a:p>
@@ -8313,7 +8313,7 @@
           <a:p>
             <a:fld id="{2F2E9289-9B4C-49AE-BDDA-70D6EDC89D17}" type="datetime1">
               <a:rPr lang="zh-CN" altLang="en-US" smtClean="0"/>
-              <a:t>2017/9/6</a:t>
+              <a:t>2017/11/1</a:t>
             </a:fld>
             <a:endParaRPr lang="zh-CN" altLang="en-US"/>
           </a:p>
@@ -8549,7 +8549,7 @@
           <a:p>
             <a:fld id="{8C5BA751-A251-47D6-8494-C134D9EBED5F}" type="datetime1">
               <a:rPr lang="zh-CN" altLang="en-US" smtClean="0"/>
-              <a:t>2017/9/6</a:t>
+              <a:t>2017/11/1</a:t>
             </a:fld>
             <a:endParaRPr lang="zh-CN" altLang="en-US"/>
           </a:p>
@@ -8905,7 +8905,7 @@
           <a:p>
             <a:fld id="{C46E2078-F302-4651-A2A2-2FC6C4E1A3F1}" type="datetime1">
               <a:rPr lang="zh-CN" altLang="en-US" smtClean="0"/>
-              <a:t>2017/9/6</a:t>
+              <a:t>2017/11/1</a:t>
             </a:fld>
             <a:endParaRPr lang="zh-CN" altLang="en-US"/>
           </a:p>
@@ -9027,7 +9027,7 @@
               <a:pPr>
                 <a:defRPr/>
               </a:pPr>
-              <a:t>2017/9/6</a:t>
+              <a:t>2017/11/1</a:t>
             </a:fld>
             <a:endParaRPr lang="zh-CN" altLang="en-US"/>
           </a:p>
@@ -9175,7 +9175,7 @@
           <a:p>
             <a:fld id="{A1BE0A72-8501-4974-A7B7-5BD248ABBAFC}" type="datetime1">
               <a:rPr lang="zh-CN" altLang="en-US" smtClean="0"/>
-              <a:t>2017/9/6</a:t>
+              <a:t>2017/11/1</a:t>
             </a:fld>
             <a:endParaRPr lang="zh-CN" altLang="en-US"/>
           </a:p>
@@ -9689,7 +9689,7 @@
           <a:p>
             <a:fld id="{A1BE0A72-8501-4974-A7B7-5BD248ABBAFC}" type="datetime1">
               <a:rPr lang="zh-CN" altLang="en-US" smtClean="0"/>
-              <a:t>2017/9/6</a:t>
+              <a:t>2017/11/1</a:t>
             </a:fld>
             <a:endParaRPr lang="zh-CN" altLang="en-US"/>
           </a:p>
@@ -10295,7 +10295,7 @@
           <a:p>
             <a:fld id="{7A78726F-0AD2-4A20-BC72-263D2D3F3A2F}" type="datetime1">
               <a:rPr lang="en-US" altLang="zh-CN" smtClean="0"/>
-              <a:t>9/6/2017</a:t>
+              <a:t>11/1/2017</a:t>
             </a:fld>
             <a:endParaRPr lang="en-US"/>
           </a:p>
@@ -11276,7 +11276,7 @@
           <a:p>
             <a:fld id="{A1BE0A72-8501-4974-A7B7-5BD248ABBAFC}" type="datetime1">
               <a:rPr lang="zh-CN" altLang="en-US" smtClean="0"/>
-              <a:t>2017/9/6</a:t>
+              <a:t>2017/11/1</a:t>
             </a:fld>
             <a:endParaRPr lang="zh-CN" altLang="en-US"/>
           </a:p>
@@ -11882,7 +11882,7 @@
           <a:p>
             <a:fld id="{7A78726F-0AD2-4A20-BC72-263D2D3F3A2F}" type="datetime1">
               <a:rPr lang="en-US" altLang="zh-CN" smtClean="0"/>
-              <a:t>9/6/2017</a:t>
+              <a:t>11/1/2017</a:t>
             </a:fld>
             <a:endParaRPr lang="en-US"/>
           </a:p>
@@ -13223,7 +13223,7 @@
         <p:spPr>
           <a:xfrm>
             <a:off x="4058444" y="2343152"/>
-            <a:ext cx="5385594" cy="1969257"/>
+            <a:ext cx="5385594" cy="2062103"/>
           </a:xfrm>
           <a:prstGeom prst="rect">
             <a:avLst/>
@@ -13354,7 +13354,7 @@
                 <a:latin typeface="微软雅黑" panose="020B0503020204020204" pitchFamily="34" charset="-122"/>
                 <a:ea typeface="微软雅黑" panose="020B0503020204020204" pitchFamily="34" charset="-122"/>
               </a:rPr>
-              <a:t>基本使用（续）</a:t>
+              <a:t>基本使用（二）</a:t>
             </a:r>
             <a:endParaRPr lang="en-US" altLang="zh-CN" sz="2000" dirty="0">
               <a:solidFill>
@@ -15112,7 +15112,7 @@
                 <a:latin typeface="微软雅黑" panose="020B0503020204020204" pitchFamily="34" charset="-122"/>
                 <a:ea typeface="微软雅黑" panose="020B0503020204020204" pitchFamily="34" charset="-122"/>
               </a:rPr>
-              <a:t>基本使用（续）</a:t>
+              <a:t>基本使用（二）</a:t>
             </a:r>
             <a:endParaRPr lang="en-US" altLang="zh-CN" sz="2400" dirty="0">
               <a:solidFill>
@@ -15718,7 +15718,20 @@
                 <a:latin typeface="微软雅黑" panose="020B0503020204020204" pitchFamily="34" charset="-122"/>
                 <a:ea typeface="微软雅黑" panose="020B0503020204020204" pitchFamily="34" charset="-122"/>
               </a:rPr>
-              <a:t>基本使用（续）</a:t>
+              <a:t>基本</a:t>
+            </a:r>
+            <a:r>
+              <a:rPr lang="zh-CN" altLang="en-US" sz="2400">
+                <a:solidFill>
+                  <a:schemeClr val="tx1">
+                    <a:lumMod val="65000"/>
+                    <a:lumOff val="35000"/>
+                  </a:schemeClr>
+                </a:solidFill>
+                <a:latin typeface="微软雅黑" panose="020B0503020204020204" pitchFamily="34" charset="-122"/>
+                <a:ea typeface="微软雅黑" panose="020B0503020204020204" pitchFamily="34" charset="-122"/>
+              </a:rPr>
+              <a:t>使用（二）</a:t>
             </a:r>
             <a:endParaRPr lang="en-US" altLang="zh-CN" sz="2400" dirty="0">
               <a:solidFill>
@@ -18224,7 +18237,7 @@
                 <a:latin typeface="微软雅黑" panose="020B0503020204020204" pitchFamily="34" charset="-122"/>
                 <a:ea typeface="微软雅黑" panose="020B0503020204020204" pitchFamily="34" charset="-122"/>
               </a:rPr>
-              <a:t>基本使用（续）</a:t>
+              <a:t>基本使用（二）</a:t>
             </a:r>
             <a:endParaRPr lang="en-US" altLang="zh-CN" sz="2000" dirty="0">
               <a:solidFill>
